--- a/paper modification/papers/paperfigure.pptx
+++ b/paper modification/papers/paperfigure.pptx
@@ -9,6 +9,7 @@
     <p:sldId id="257" r:id="rId3"/>
     <p:sldId id="258" r:id="rId4"/>
     <p:sldId id="259" r:id="rId5"/>
+    <p:sldId id="260" r:id="rId6"/>
   </p:sldIdLst>
   <p:sldSz cx="12192000" cy="6858000"/>
   <p:notesSz cx="6858000" cy="9144000"/>
@@ -273,7 +274,7 @@
           <a:p>
             <a:fld id="{0321AEE1-B56A-4539-90F3-B945D2F7F514}" type="datetimeFigureOut">
               <a:rPr lang="en-US" smtClean="0"/>
-              <a:t>6/3/2025</a:t>
+              <a:t>7/6/2025</a:t>
             </a:fld>
             <a:endParaRPr lang="en-US"/>
           </a:p>
@@ -471,7 +472,7 @@
           <a:p>
             <a:fld id="{0321AEE1-B56A-4539-90F3-B945D2F7F514}" type="datetimeFigureOut">
               <a:rPr lang="en-US" smtClean="0"/>
-              <a:t>6/3/2025</a:t>
+              <a:t>7/6/2025</a:t>
             </a:fld>
             <a:endParaRPr lang="en-US"/>
           </a:p>
@@ -679,7 +680,7 @@
           <a:p>
             <a:fld id="{0321AEE1-B56A-4539-90F3-B945D2F7F514}" type="datetimeFigureOut">
               <a:rPr lang="en-US" smtClean="0"/>
-              <a:t>6/3/2025</a:t>
+              <a:t>7/6/2025</a:t>
             </a:fld>
             <a:endParaRPr lang="en-US"/>
           </a:p>
@@ -877,7 +878,7 @@
           <a:p>
             <a:fld id="{0321AEE1-B56A-4539-90F3-B945D2F7F514}" type="datetimeFigureOut">
               <a:rPr lang="en-US" smtClean="0"/>
-              <a:t>6/3/2025</a:t>
+              <a:t>7/6/2025</a:t>
             </a:fld>
             <a:endParaRPr lang="en-US"/>
           </a:p>
@@ -1152,7 +1153,7 @@
           <a:p>
             <a:fld id="{0321AEE1-B56A-4539-90F3-B945D2F7F514}" type="datetimeFigureOut">
               <a:rPr lang="en-US" smtClean="0"/>
-              <a:t>6/3/2025</a:t>
+              <a:t>7/6/2025</a:t>
             </a:fld>
             <a:endParaRPr lang="en-US"/>
           </a:p>
@@ -1417,7 +1418,7 @@
           <a:p>
             <a:fld id="{0321AEE1-B56A-4539-90F3-B945D2F7F514}" type="datetimeFigureOut">
               <a:rPr lang="en-US" smtClean="0"/>
-              <a:t>6/3/2025</a:t>
+              <a:t>7/6/2025</a:t>
             </a:fld>
             <a:endParaRPr lang="en-US"/>
           </a:p>
@@ -1829,7 +1830,7 @@
           <a:p>
             <a:fld id="{0321AEE1-B56A-4539-90F3-B945D2F7F514}" type="datetimeFigureOut">
               <a:rPr lang="en-US" smtClean="0"/>
-              <a:t>6/3/2025</a:t>
+              <a:t>7/6/2025</a:t>
             </a:fld>
             <a:endParaRPr lang="en-US"/>
           </a:p>
@@ -1970,7 +1971,7 @@
           <a:p>
             <a:fld id="{0321AEE1-B56A-4539-90F3-B945D2F7F514}" type="datetimeFigureOut">
               <a:rPr lang="en-US" smtClean="0"/>
-              <a:t>6/3/2025</a:t>
+              <a:t>7/6/2025</a:t>
             </a:fld>
             <a:endParaRPr lang="en-US"/>
           </a:p>
@@ -2083,7 +2084,7 @@
           <a:p>
             <a:fld id="{0321AEE1-B56A-4539-90F3-B945D2F7F514}" type="datetimeFigureOut">
               <a:rPr lang="en-US" smtClean="0"/>
-              <a:t>6/3/2025</a:t>
+              <a:t>7/6/2025</a:t>
             </a:fld>
             <a:endParaRPr lang="en-US"/>
           </a:p>
@@ -2394,7 +2395,7 @@
           <a:p>
             <a:fld id="{0321AEE1-B56A-4539-90F3-B945D2F7F514}" type="datetimeFigureOut">
               <a:rPr lang="en-US" smtClean="0"/>
-              <a:t>6/3/2025</a:t>
+              <a:t>7/6/2025</a:t>
             </a:fld>
             <a:endParaRPr lang="en-US"/>
           </a:p>
@@ -2682,7 +2683,7 @@
           <a:p>
             <a:fld id="{0321AEE1-B56A-4539-90F3-B945D2F7F514}" type="datetimeFigureOut">
               <a:rPr lang="en-US" smtClean="0"/>
-              <a:t>6/3/2025</a:t>
+              <a:t>7/6/2025</a:t>
             </a:fld>
             <a:endParaRPr lang="en-US"/>
           </a:p>
@@ -2923,7 +2924,7 @@
           <a:p>
             <a:fld id="{0321AEE1-B56A-4539-90F3-B945D2F7F514}" type="datetimeFigureOut">
               <a:rPr lang="en-US" smtClean="0"/>
-              <a:t>6/3/2025</a:t>
+              <a:t>7/6/2025</a:t>
             </a:fld>
             <a:endParaRPr lang="en-US"/>
           </a:p>
@@ -3985,6 +3986,96 @@
 </p:sld>
 </file>
 
+<file path=ppt/slides/slide5.xml><?xml version="1.0" encoding="utf-8"?>
+<p:sld xmlns:a="http://schemas.openxmlformats.org/drawingml/2006/main" xmlns:r="http://schemas.openxmlformats.org/officeDocument/2006/relationships" xmlns:p="http://schemas.openxmlformats.org/presentationml/2006/main">
+  <p:cSld>
+    <p:spTree>
+      <p:nvGrpSpPr>
+        <p:cNvPr id="1" name=""/>
+        <p:cNvGrpSpPr/>
+        <p:nvPr/>
+      </p:nvGrpSpPr>
+      <p:grpSpPr>
+        <a:xfrm>
+          <a:off x="0" y="0"/>
+          <a:ext cx="0" cy="0"/>
+          <a:chOff x="0" y="0"/>
+          <a:chExt cx="0" cy="0"/>
+        </a:xfrm>
+      </p:grpSpPr>
+      <p:pic>
+        <p:nvPicPr>
+          <p:cNvPr id="2" name="Picture 1">
+            <a:extLst>
+              <a:ext uri="{FF2B5EF4-FFF2-40B4-BE49-F238E27FC236}">
+                <a16:creationId xmlns:a16="http://schemas.microsoft.com/office/drawing/2014/main" id="{F4C7CE02-E770-4CE1-B210-7F0C399BBA3B}"/>
+              </a:ext>
+            </a:extLst>
+          </p:cNvPr>
+          <p:cNvPicPr>
+            <a:picLocks noChangeAspect="1"/>
+          </p:cNvPicPr>
+          <p:nvPr/>
+        </p:nvPicPr>
+        <p:blipFill>
+          <a:blip r:embed="rId2"/>
+          <a:stretch>
+            <a:fillRect/>
+          </a:stretch>
+        </p:blipFill>
+        <p:spPr>
+          <a:xfrm>
+            <a:off x="955646" y="1445568"/>
+            <a:ext cx="4723636" cy="3544886"/>
+          </a:xfrm>
+          <a:prstGeom prst="rect">
+            <a:avLst/>
+          </a:prstGeom>
+        </p:spPr>
+      </p:pic>
+      <p:pic>
+        <p:nvPicPr>
+          <p:cNvPr id="3" name="Picture 2">
+            <a:extLst>
+              <a:ext uri="{FF2B5EF4-FFF2-40B4-BE49-F238E27FC236}">
+                <a16:creationId xmlns:a16="http://schemas.microsoft.com/office/drawing/2014/main" id="{AFF7707F-589C-40BE-A5DC-5AEDB8A6DEDE}"/>
+              </a:ext>
+            </a:extLst>
+          </p:cNvPr>
+          <p:cNvPicPr>
+            <a:picLocks noChangeAspect="1"/>
+          </p:cNvPicPr>
+          <p:nvPr/>
+        </p:nvPicPr>
+        <p:blipFill>
+          <a:blip r:embed="rId3"/>
+          <a:stretch>
+            <a:fillRect/>
+          </a:stretch>
+        </p:blipFill>
+        <p:spPr>
+          <a:xfrm>
+            <a:off x="5848027" y="1445568"/>
+            <a:ext cx="4726515" cy="3544886"/>
+          </a:xfrm>
+          <a:prstGeom prst="rect">
+            <a:avLst/>
+          </a:prstGeom>
+        </p:spPr>
+      </p:pic>
+    </p:spTree>
+    <p:extLst>
+      <p:ext uri="{BB962C8B-B14F-4D97-AF65-F5344CB8AC3E}">
+        <p14:creationId xmlns:p14="http://schemas.microsoft.com/office/powerpoint/2010/main" val="1422387766"/>
+      </p:ext>
+    </p:extLst>
+  </p:cSld>
+  <p:clrMapOvr>
+    <a:masterClrMapping/>
+  </p:clrMapOvr>
+</p:sld>
+</file>
+
 <file path=ppt/theme/theme1.xml><?xml version="1.0" encoding="utf-8"?>
 <a:theme xmlns:a="http://schemas.openxmlformats.org/drawingml/2006/main" name="Office Theme">
   <a:themeElements>

--- a/paper modification/papers/paperfigure.pptx
+++ b/paper modification/papers/paperfigure.pptx
@@ -10,6 +10,10 @@
     <p:sldId id="258" r:id="rId4"/>
     <p:sldId id="259" r:id="rId5"/>
     <p:sldId id="260" r:id="rId6"/>
+    <p:sldId id="261" r:id="rId7"/>
+    <p:sldId id="262" r:id="rId8"/>
+    <p:sldId id="263" r:id="rId9"/>
+    <p:sldId id="264" r:id="rId10"/>
   </p:sldIdLst>
   <p:sldSz cx="12192000" cy="6858000"/>
   <p:notesSz cx="6858000" cy="9144000"/>
@@ -274,7 +278,7 @@
           <a:p>
             <a:fld id="{0321AEE1-B56A-4539-90F3-B945D2F7F514}" type="datetimeFigureOut">
               <a:rPr lang="en-US" smtClean="0"/>
-              <a:t>7/6/2025</a:t>
+              <a:t>12/7/2025</a:t>
             </a:fld>
             <a:endParaRPr lang="en-US"/>
           </a:p>
@@ -472,7 +476,7 @@
           <a:p>
             <a:fld id="{0321AEE1-B56A-4539-90F3-B945D2F7F514}" type="datetimeFigureOut">
               <a:rPr lang="en-US" smtClean="0"/>
-              <a:t>7/6/2025</a:t>
+              <a:t>12/7/2025</a:t>
             </a:fld>
             <a:endParaRPr lang="en-US"/>
           </a:p>
@@ -680,7 +684,7 @@
           <a:p>
             <a:fld id="{0321AEE1-B56A-4539-90F3-B945D2F7F514}" type="datetimeFigureOut">
               <a:rPr lang="en-US" smtClean="0"/>
-              <a:t>7/6/2025</a:t>
+              <a:t>12/7/2025</a:t>
             </a:fld>
             <a:endParaRPr lang="en-US"/>
           </a:p>
@@ -878,7 +882,7 @@
           <a:p>
             <a:fld id="{0321AEE1-B56A-4539-90F3-B945D2F7F514}" type="datetimeFigureOut">
               <a:rPr lang="en-US" smtClean="0"/>
-              <a:t>7/6/2025</a:t>
+              <a:t>12/7/2025</a:t>
             </a:fld>
             <a:endParaRPr lang="en-US"/>
           </a:p>
@@ -1153,7 +1157,7 @@
           <a:p>
             <a:fld id="{0321AEE1-B56A-4539-90F3-B945D2F7F514}" type="datetimeFigureOut">
               <a:rPr lang="en-US" smtClean="0"/>
-              <a:t>7/6/2025</a:t>
+              <a:t>12/7/2025</a:t>
             </a:fld>
             <a:endParaRPr lang="en-US"/>
           </a:p>
@@ -1418,7 +1422,7 @@
           <a:p>
             <a:fld id="{0321AEE1-B56A-4539-90F3-B945D2F7F514}" type="datetimeFigureOut">
               <a:rPr lang="en-US" smtClean="0"/>
-              <a:t>7/6/2025</a:t>
+              <a:t>12/7/2025</a:t>
             </a:fld>
             <a:endParaRPr lang="en-US"/>
           </a:p>
@@ -1830,7 +1834,7 @@
           <a:p>
             <a:fld id="{0321AEE1-B56A-4539-90F3-B945D2F7F514}" type="datetimeFigureOut">
               <a:rPr lang="en-US" smtClean="0"/>
-              <a:t>7/6/2025</a:t>
+              <a:t>12/7/2025</a:t>
             </a:fld>
             <a:endParaRPr lang="en-US"/>
           </a:p>
@@ -1971,7 +1975,7 @@
           <a:p>
             <a:fld id="{0321AEE1-B56A-4539-90F3-B945D2F7F514}" type="datetimeFigureOut">
               <a:rPr lang="en-US" smtClean="0"/>
-              <a:t>7/6/2025</a:t>
+              <a:t>12/7/2025</a:t>
             </a:fld>
             <a:endParaRPr lang="en-US"/>
           </a:p>
@@ -2084,7 +2088,7 @@
           <a:p>
             <a:fld id="{0321AEE1-B56A-4539-90F3-B945D2F7F514}" type="datetimeFigureOut">
               <a:rPr lang="en-US" smtClean="0"/>
-              <a:t>7/6/2025</a:t>
+              <a:t>12/7/2025</a:t>
             </a:fld>
             <a:endParaRPr lang="en-US"/>
           </a:p>
@@ -2395,7 +2399,7 @@
           <a:p>
             <a:fld id="{0321AEE1-B56A-4539-90F3-B945D2F7F514}" type="datetimeFigureOut">
               <a:rPr lang="en-US" smtClean="0"/>
-              <a:t>7/6/2025</a:t>
+              <a:t>12/7/2025</a:t>
             </a:fld>
             <a:endParaRPr lang="en-US"/>
           </a:p>
@@ -2683,7 +2687,7 @@
           <a:p>
             <a:fld id="{0321AEE1-B56A-4539-90F3-B945D2F7F514}" type="datetimeFigureOut">
               <a:rPr lang="en-US" smtClean="0"/>
-              <a:t>7/6/2025</a:t>
+              <a:t>12/7/2025</a:t>
             </a:fld>
             <a:endParaRPr lang="en-US"/>
           </a:p>
@@ -2924,7 +2928,7 @@
           <a:p>
             <a:fld id="{0321AEE1-B56A-4539-90F3-B945D2F7F514}" type="datetimeFigureOut">
               <a:rPr lang="en-US" smtClean="0"/>
-              <a:t>7/6/2025</a:t>
+              <a:t>12/7/2025</a:t>
             </a:fld>
             <a:endParaRPr lang="en-US"/>
           </a:p>
@@ -3495,7 +3499,7 @@
         </p:blipFill>
         <p:spPr>
           <a:xfrm>
-            <a:off x="63438" y="706746"/>
+            <a:off x="-897261" y="544700"/>
             <a:ext cx="6667500" cy="5000625"/>
           </a:xfrm>
           <a:prstGeom prst="rect">
@@ -3525,7 +3529,7 @@
         </p:blipFill>
         <p:spPr>
           <a:xfrm>
-            <a:off x="6215664" y="839910"/>
+            <a:off x="5862837" y="544700"/>
             <a:ext cx="6667500" cy="5000625"/>
           </a:xfrm>
           <a:prstGeom prst="rect">
@@ -4076,6 +4080,1282 @@
 </p:sld>
 </file>
 
+<file path=ppt/slides/slide6.xml><?xml version="1.0" encoding="utf-8"?>
+<p:sld xmlns:a="http://schemas.openxmlformats.org/drawingml/2006/main" xmlns:r="http://schemas.openxmlformats.org/officeDocument/2006/relationships" xmlns:p="http://schemas.openxmlformats.org/presentationml/2006/main">
+  <p:cSld>
+    <p:spTree>
+      <p:nvGrpSpPr>
+        <p:cNvPr id="1" name=""/>
+        <p:cNvGrpSpPr/>
+        <p:nvPr/>
+      </p:nvGrpSpPr>
+      <p:grpSpPr>
+        <a:xfrm>
+          <a:off x="0" y="0"/>
+          <a:ext cx="0" cy="0"/>
+          <a:chOff x="0" y="0"/>
+          <a:chExt cx="0" cy="0"/>
+        </a:xfrm>
+      </p:grpSpPr>
+      <p:grpSp>
+        <p:nvGrpSpPr>
+          <p:cNvPr id="14" name="Group 13">
+            <a:extLst>
+              <a:ext uri="{FF2B5EF4-FFF2-40B4-BE49-F238E27FC236}">
+                <a16:creationId xmlns:a16="http://schemas.microsoft.com/office/drawing/2014/main" id="{8BF15D12-A54A-44CB-8B0A-83D7034AA4B1}"/>
+              </a:ext>
+            </a:extLst>
+          </p:cNvPr>
+          <p:cNvGrpSpPr/>
+          <p:nvPr/>
+        </p:nvGrpSpPr>
+        <p:grpSpPr>
+          <a:xfrm>
+            <a:off x="222642" y="-191436"/>
+            <a:ext cx="6206301" cy="6858000"/>
+            <a:chOff x="859249" y="-654423"/>
+            <a:chExt cx="6206301" cy="6858000"/>
+          </a:xfrm>
+        </p:grpSpPr>
+        <p:pic>
+          <p:nvPicPr>
+            <p:cNvPr id="4" name="Picture 3">
+              <a:extLst>
+                <a:ext uri="{FF2B5EF4-FFF2-40B4-BE49-F238E27FC236}">
+                  <a16:creationId xmlns:a16="http://schemas.microsoft.com/office/drawing/2014/main" id="{6AF6F697-9E02-45CC-A55F-2A0A936176C4}"/>
+                </a:ext>
+              </a:extLst>
+            </p:cNvPr>
+            <p:cNvPicPr>
+              <a:picLocks noChangeAspect="1"/>
+            </p:cNvPicPr>
+            <p:nvPr/>
+          </p:nvPicPr>
+          <p:blipFill>
+            <a:blip r:embed="rId2"/>
+            <a:stretch>
+              <a:fillRect/>
+            </a:stretch>
+          </p:blipFill>
+          <p:spPr>
+            <a:xfrm>
+              <a:off x="859249" y="-654423"/>
+              <a:ext cx="6206301" cy="6858000"/>
+            </a:xfrm>
+            <a:prstGeom prst="rect">
+              <a:avLst/>
+            </a:prstGeom>
+          </p:spPr>
+        </p:pic>
+        <p:cxnSp>
+          <p:nvCxnSpPr>
+            <p:cNvPr id="6" name="Straight Arrow Connector 5">
+              <a:extLst>
+                <a:ext uri="{FF2B5EF4-FFF2-40B4-BE49-F238E27FC236}">
+                  <a16:creationId xmlns:a16="http://schemas.microsoft.com/office/drawing/2014/main" id="{58060448-7129-4AD9-99E6-F9881CD8CD6D}"/>
+                </a:ext>
+              </a:extLst>
+            </p:cNvPr>
+            <p:cNvCxnSpPr>
+              <a:cxnSpLocks/>
+            </p:cNvCxnSpPr>
+            <p:nvPr/>
+          </p:nvCxnSpPr>
+          <p:spPr>
+            <a:xfrm flipH="1">
+              <a:off x="6035040" y="4212515"/>
+              <a:ext cx="295834" cy="0"/>
+            </a:xfrm>
+            <a:prstGeom prst="straightConnector1">
+              <a:avLst/>
+            </a:prstGeom>
+            <a:ln w="19050">
+              <a:tailEnd type="triangle"/>
+            </a:ln>
+          </p:spPr>
+          <p:style>
+            <a:lnRef idx="1">
+              <a:schemeClr val="accent1"/>
+            </a:lnRef>
+            <a:fillRef idx="0">
+              <a:schemeClr val="accent1"/>
+            </a:fillRef>
+            <a:effectRef idx="0">
+              <a:schemeClr val="accent1"/>
+            </a:effectRef>
+            <a:fontRef idx="minor">
+              <a:schemeClr val="tx1"/>
+            </a:fontRef>
+          </p:style>
+        </p:cxnSp>
+        <p:cxnSp>
+          <p:nvCxnSpPr>
+            <p:cNvPr id="8" name="Straight Arrow Connector 7">
+              <a:extLst>
+                <a:ext uri="{FF2B5EF4-FFF2-40B4-BE49-F238E27FC236}">
+                  <a16:creationId xmlns:a16="http://schemas.microsoft.com/office/drawing/2014/main" id="{6CE65C43-751D-4B45-98A2-6DFBD1870D36}"/>
+                </a:ext>
+              </a:extLst>
+            </p:cNvPr>
+            <p:cNvCxnSpPr>
+              <a:cxnSpLocks/>
+            </p:cNvCxnSpPr>
+            <p:nvPr/>
+          </p:nvCxnSpPr>
+          <p:spPr>
+            <a:xfrm>
+              <a:off x="5605069" y="4194025"/>
+              <a:ext cx="157556" cy="67460"/>
+            </a:xfrm>
+            <a:prstGeom prst="straightConnector1">
+              <a:avLst/>
+            </a:prstGeom>
+            <a:ln w="19050">
+              <a:tailEnd type="triangle"/>
+            </a:ln>
+          </p:spPr>
+          <p:style>
+            <a:lnRef idx="1">
+              <a:schemeClr val="accent1"/>
+            </a:lnRef>
+            <a:fillRef idx="0">
+              <a:schemeClr val="accent1"/>
+            </a:fillRef>
+            <a:effectRef idx="0">
+              <a:schemeClr val="accent1"/>
+            </a:effectRef>
+            <a:fontRef idx="minor">
+              <a:schemeClr val="tx1"/>
+            </a:fontRef>
+          </p:style>
+        </p:cxnSp>
+        <p:cxnSp>
+          <p:nvCxnSpPr>
+            <p:cNvPr id="10" name="Straight Arrow Connector 9">
+              <a:extLst>
+                <a:ext uri="{FF2B5EF4-FFF2-40B4-BE49-F238E27FC236}">
+                  <a16:creationId xmlns:a16="http://schemas.microsoft.com/office/drawing/2014/main" id="{8DFAC82E-5BDD-4DED-BB39-A2707B4B7343}"/>
+                </a:ext>
+              </a:extLst>
+            </p:cNvPr>
+            <p:cNvCxnSpPr>
+              <a:cxnSpLocks/>
+            </p:cNvCxnSpPr>
+            <p:nvPr/>
+          </p:nvCxnSpPr>
+          <p:spPr>
+            <a:xfrm flipH="1" flipV="1">
+              <a:off x="5300364" y="4212515"/>
+              <a:ext cx="172009" cy="49530"/>
+            </a:xfrm>
+            <a:prstGeom prst="straightConnector1">
+              <a:avLst/>
+            </a:prstGeom>
+            <a:ln w="19050">
+              <a:tailEnd type="triangle"/>
+            </a:ln>
+          </p:spPr>
+          <p:style>
+            <a:lnRef idx="1">
+              <a:schemeClr val="accent1"/>
+            </a:lnRef>
+            <a:fillRef idx="0">
+              <a:schemeClr val="accent1"/>
+            </a:fillRef>
+            <a:effectRef idx="0">
+              <a:schemeClr val="accent1"/>
+            </a:effectRef>
+            <a:fontRef idx="minor">
+              <a:schemeClr val="tx1"/>
+            </a:fontRef>
+          </p:style>
+        </p:cxnSp>
+        <p:cxnSp>
+          <p:nvCxnSpPr>
+            <p:cNvPr id="12" name="Straight Arrow Connector 11">
+              <a:extLst>
+                <a:ext uri="{FF2B5EF4-FFF2-40B4-BE49-F238E27FC236}">
+                  <a16:creationId xmlns:a16="http://schemas.microsoft.com/office/drawing/2014/main" id="{ED6D023B-5091-4981-A524-9DDCB33A2E7D}"/>
+                </a:ext>
+              </a:extLst>
+            </p:cNvPr>
+            <p:cNvCxnSpPr>
+              <a:cxnSpLocks/>
+            </p:cNvCxnSpPr>
+            <p:nvPr/>
+          </p:nvCxnSpPr>
+          <p:spPr>
+            <a:xfrm>
+              <a:off x="5386368" y="4378250"/>
+              <a:ext cx="151187" cy="50875"/>
+            </a:xfrm>
+            <a:prstGeom prst="straightConnector1">
+              <a:avLst/>
+            </a:prstGeom>
+            <a:ln w="19050">
+              <a:tailEnd type="triangle"/>
+            </a:ln>
+          </p:spPr>
+          <p:style>
+            <a:lnRef idx="1">
+              <a:schemeClr val="accent1"/>
+            </a:lnRef>
+            <a:fillRef idx="0">
+              <a:schemeClr val="accent1"/>
+            </a:fillRef>
+            <a:effectRef idx="0">
+              <a:schemeClr val="accent1"/>
+            </a:effectRef>
+            <a:fontRef idx="minor">
+              <a:schemeClr val="tx1"/>
+            </a:fontRef>
+          </p:style>
+        </p:cxnSp>
+      </p:grpSp>
+      <p:grpSp>
+        <p:nvGrpSpPr>
+          <p:cNvPr id="21" name="Group 20">
+            <a:extLst>
+              <a:ext uri="{FF2B5EF4-FFF2-40B4-BE49-F238E27FC236}">
+                <a16:creationId xmlns:a16="http://schemas.microsoft.com/office/drawing/2014/main" id="{CEC13E4E-8BEC-4719-BBAA-1B3D5920C9B5}"/>
+              </a:ext>
+            </a:extLst>
+          </p:cNvPr>
+          <p:cNvGrpSpPr/>
+          <p:nvPr/>
+        </p:nvGrpSpPr>
+        <p:grpSpPr>
+          <a:xfrm>
+            <a:off x="6701358" y="-191436"/>
+            <a:ext cx="6205728" cy="6858000"/>
+            <a:chOff x="6701358" y="-191436"/>
+            <a:chExt cx="6205728" cy="6858000"/>
+          </a:xfrm>
+        </p:grpSpPr>
+        <p:pic>
+          <p:nvPicPr>
+            <p:cNvPr id="15" name="Picture 14">
+              <a:extLst>
+                <a:ext uri="{FF2B5EF4-FFF2-40B4-BE49-F238E27FC236}">
+                  <a16:creationId xmlns:a16="http://schemas.microsoft.com/office/drawing/2014/main" id="{97457CC4-CB86-43D9-B296-82248040E4DC}"/>
+                </a:ext>
+              </a:extLst>
+            </p:cNvPr>
+            <p:cNvPicPr>
+              <a:picLocks noChangeAspect="1"/>
+            </p:cNvPicPr>
+            <p:nvPr/>
+          </p:nvPicPr>
+          <p:blipFill>
+            <a:blip r:embed="rId3"/>
+            <a:stretch>
+              <a:fillRect/>
+            </a:stretch>
+          </p:blipFill>
+          <p:spPr>
+            <a:xfrm>
+              <a:off x="6701358" y="-191436"/>
+              <a:ext cx="6205728" cy="6858000"/>
+            </a:xfrm>
+            <a:prstGeom prst="rect">
+              <a:avLst/>
+            </a:prstGeom>
+          </p:spPr>
+        </p:pic>
+        <p:cxnSp>
+          <p:nvCxnSpPr>
+            <p:cNvPr id="17" name="Straight Connector 16">
+              <a:extLst>
+                <a:ext uri="{FF2B5EF4-FFF2-40B4-BE49-F238E27FC236}">
+                  <a16:creationId xmlns:a16="http://schemas.microsoft.com/office/drawing/2014/main" id="{FC89C96B-E607-4FE9-9BED-B942FD34B6E9}"/>
+                </a:ext>
+              </a:extLst>
+            </p:cNvPr>
+            <p:cNvCxnSpPr>
+              <a:cxnSpLocks/>
+            </p:cNvCxnSpPr>
+            <p:nvPr/>
+          </p:nvCxnSpPr>
+          <p:spPr>
+            <a:xfrm>
+              <a:off x="8450754" y="347472"/>
+              <a:ext cx="0" cy="3364992"/>
+            </a:xfrm>
+            <a:prstGeom prst="line">
+              <a:avLst/>
+            </a:prstGeom>
+            <a:ln w="28575">
+              <a:solidFill>
+                <a:schemeClr val="tx1"/>
+              </a:solidFill>
+              <a:prstDash val="dash"/>
+            </a:ln>
+          </p:spPr>
+          <p:style>
+            <a:lnRef idx="1">
+              <a:schemeClr val="accent1"/>
+            </a:lnRef>
+            <a:fillRef idx="0">
+              <a:schemeClr val="accent1"/>
+            </a:fillRef>
+            <a:effectRef idx="0">
+              <a:schemeClr val="accent1"/>
+            </a:effectRef>
+            <a:fontRef idx="minor">
+              <a:schemeClr val="tx1"/>
+            </a:fontRef>
+          </p:style>
+        </p:cxnSp>
+      </p:grpSp>
+    </p:spTree>
+    <p:extLst>
+      <p:ext uri="{BB962C8B-B14F-4D97-AF65-F5344CB8AC3E}">
+        <p14:creationId xmlns:p14="http://schemas.microsoft.com/office/powerpoint/2010/main" val="1950327041"/>
+      </p:ext>
+    </p:extLst>
+  </p:cSld>
+  <p:clrMapOvr>
+    <a:masterClrMapping/>
+  </p:clrMapOvr>
+</p:sld>
+</file>
+
+<file path=ppt/slides/slide7.xml><?xml version="1.0" encoding="utf-8"?>
+<p:sld xmlns:a="http://schemas.openxmlformats.org/drawingml/2006/main" xmlns:r="http://schemas.openxmlformats.org/officeDocument/2006/relationships" xmlns:p="http://schemas.openxmlformats.org/presentationml/2006/main">
+  <p:cSld>
+    <p:spTree>
+      <p:nvGrpSpPr>
+        <p:cNvPr id="1" name=""/>
+        <p:cNvGrpSpPr/>
+        <p:nvPr/>
+      </p:nvGrpSpPr>
+      <p:grpSpPr>
+        <a:xfrm>
+          <a:off x="0" y="0"/>
+          <a:ext cx="0" cy="0"/>
+          <a:chOff x="0" y="0"/>
+          <a:chExt cx="0" cy="0"/>
+        </a:xfrm>
+      </p:grpSpPr>
+      <p:pic>
+        <p:nvPicPr>
+          <p:cNvPr id="2" name="Picture 1">
+            <a:extLst>
+              <a:ext uri="{FF2B5EF4-FFF2-40B4-BE49-F238E27FC236}">
+                <a16:creationId xmlns:a16="http://schemas.microsoft.com/office/drawing/2014/main" id="{B5BFB731-E4A2-4D1E-B32D-4B808C6E77FC}"/>
+              </a:ext>
+            </a:extLst>
+          </p:cNvPr>
+          <p:cNvPicPr>
+            <a:picLocks noChangeAspect="1"/>
+          </p:cNvPicPr>
+          <p:nvPr/>
+        </p:nvPicPr>
+        <p:blipFill>
+          <a:blip r:embed="rId2"/>
+          <a:stretch>
+            <a:fillRect/>
+          </a:stretch>
+        </p:blipFill>
+        <p:spPr>
+          <a:xfrm>
+            <a:off x="-593344" y="-60960"/>
+            <a:ext cx="6205728" cy="6858000"/>
+          </a:xfrm>
+          <a:prstGeom prst="rect">
+            <a:avLst/>
+          </a:prstGeom>
+        </p:spPr>
+      </p:pic>
+      <p:grpSp>
+        <p:nvGrpSpPr>
+          <p:cNvPr id="19" name="Group 18">
+            <a:extLst>
+              <a:ext uri="{FF2B5EF4-FFF2-40B4-BE49-F238E27FC236}">
+                <a16:creationId xmlns:a16="http://schemas.microsoft.com/office/drawing/2014/main" id="{38E1F5AA-1D69-426F-93D1-3A35F43AAE59}"/>
+              </a:ext>
+            </a:extLst>
+          </p:cNvPr>
+          <p:cNvGrpSpPr/>
+          <p:nvPr/>
+        </p:nvGrpSpPr>
+        <p:grpSpPr>
+          <a:xfrm>
+            <a:off x="5720080" y="-60960"/>
+            <a:ext cx="6391141" cy="6858000"/>
+            <a:chOff x="5720080" y="-60960"/>
+            <a:chExt cx="6391141" cy="6858000"/>
+          </a:xfrm>
+        </p:grpSpPr>
+        <p:pic>
+          <p:nvPicPr>
+            <p:cNvPr id="3" name="Picture 2">
+              <a:extLst>
+                <a:ext uri="{FF2B5EF4-FFF2-40B4-BE49-F238E27FC236}">
+                  <a16:creationId xmlns:a16="http://schemas.microsoft.com/office/drawing/2014/main" id="{38490164-62BC-4348-8878-1EA96003B4AB}"/>
+                </a:ext>
+              </a:extLst>
+            </p:cNvPr>
+            <p:cNvPicPr>
+              <a:picLocks noChangeAspect="1"/>
+            </p:cNvPicPr>
+            <p:nvPr/>
+          </p:nvPicPr>
+          <p:blipFill>
+            <a:blip r:embed="rId3"/>
+            <a:stretch>
+              <a:fillRect/>
+            </a:stretch>
+          </p:blipFill>
+          <p:spPr>
+            <a:xfrm>
+              <a:off x="5720080" y="-60960"/>
+              <a:ext cx="6391141" cy="6858000"/>
+            </a:xfrm>
+            <a:prstGeom prst="rect">
+              <a:avLst/>
+            </a:prstGeom>
+          </p:spPr>
+        </p:pic>
+        <p:cxnSp>
+          <p:nvCxnSpPr>
+            <p:cNvPr id="5" name="Straight Arrow Connector 4">
+              <a:extLst>
+                <a:ext uri="{FF2B5EF4-FFF2-40B4-BE49-F238E27FC236}">
+                  <a16:creationId xmlns:a16="http://schemas.microsoft.com/office/drawing/2014/main" id="{ADE3BFDF-A603-4EE5-B0C0-3EC9AFA92C9C}"/>
+                </a:ext>
+              </a:extLst>
+            </p:cNvPr>
+            <p:cNvCxnSpPr>
+              <a:cxnSpLocks/>
+            </p:cNvCxnSpPr>
+            <p:nvPr/>
+          </p:nvCxnSpPr>
+          <p:spPr>
+            <a:xfrm flipH="1">
+              <a:off x="11146155" y="5085080"/>
+              <a:ext cx="247015" cy="0"/>
+            </a:xfrm>
+            <a:prstGeom prst="straightConnector1">
+              <a:avLst/>
+            </a:prstGeom>
+            <a:ln w="28575">
+              <a:solidFill>
+                <a:srgbClr val="0070C0"/>
+              </a:solidFill>
+              <a:tailEnd type="triangle"/>
+            </a:ln>
+          </p:spPr>
+          <p:style>
+            <a:lnRef idx="1">
+              <a:schemeClr val="accent1"/>
+            </a:lnRef>
+            <a:fillRef idx="0">
+              <a:schemeClr val="accent1"/>
+            </a:fillRef>
+            <a:effectRef idx="0">
+              <a:schemeClr val="accent1"/>
+            </a:effectRef>
+            <a:fontRef idx="minor">
+              <a:schemeClr val="tx1"/>
+            </a:fontRef>
+          </p:style>
+        </p:cxnSp>
+        <p:cxnSp>
+          <p:nvCxnSpPr>
+            <p:cNvPr id="7" name="Straight Arrow Connector 6">
+              <a:extLst>
+                <a:ext uri="{FF2B5EF4-FFF2-40B4-BE49-F238E27FC236}">
+                  <a16:creationId xmlns:a16="http://schemas.microsoft.com/office/drawing/2014/main" id="{DF38A4CD-FC32-4620-8931-6F2663F9C050}"/>
+                </a:ext>
+              </a:extLst>
+            </p:cNvPr>
+            <p:cNvCxnSpPr>
+              <a:cxnSpLocks/>
+            </p:cNvCxnSpPr>
+            <p:nvPr/>
+          </p:nvCxnSpPr>
+          <p:spPr>
+            <a:xfrm flipH="1">
+              <a:off x="10774680" y="5038725"/>
+              <a:ext cx="19050" cy="188595"/>
+            </a:xfrm>
+            <a:prstGeom prst="straightConnector1">
+              <a:avLst/>
+            </a:prstGeom>
+            <a:ln w="28575">
+              <a:solidFill>
+                <a:srgbClr val="0070C0"/>
+              </a:solidFill>
+              <a:tailEnd type="triangle"/>
+            </a:ln>
+          </p:spPr>
+          <p:style>
+            <a:lnRef idx="1">
+              <a:schemeClr val="accent1"/>
+            </a:lnRef>
+            <a:fillRef idx="0">
+              <a:schemeClr val="accent1"/>
+            </a:fillRef>
+            <a:effectRef idx="0">
+              <a:schemeClr val="accent1"/>
+            </a:effectRef>
+            <a:fontRef idx="minor">
+              <a:schemeClr val="tx1"/>
+            </a:fontRef>
+          </p:style>
+        </p:cxnSp>
+        <p:cxnSp>
+          <p:nvCxnSpPr>
+            <p:cNvPr id="11" name="Straight Arrow Connector 10">
+              <a:extLst>
+                <a:ext uri="{FF2B5EF4-FFF2-40B4-BE49-F238E27FC236}">
+                  <a16:creationId xmlns:a16="http://schemas.microsoft.com/office/drawing/2014/main" id="{6E0F64F0-10AE-4EE2-9AA2-A6F2D451D9E0}"/>
+                </a:ext>
+              </a:extLst>
+            </p:cNvPr>
+            <p:cNvCxnSpPr>
+              <a:cxnSpLocks/>
+            </p:cNvCxnSpPr>
+            <p:nvPr/>
+          </p:nvCxnSpPr>
+          <p:spPr>
+            <a:xfrm flipH="1" flipV="1">
+              <a:off x="10603230" y="4894581"/>
+              <a:ext cx="17145" cy="190499"/>
+            </a:xfrm>
+            <a:prstGeom prst="straightConnector1">
+              <a:avLst/>
+            </a:prstGeom>
+            <a:ln w="28575">
+              <a:solidFill>
+                <a:srgbClr val="0070C0"/>
+              </a:solidFill>
+              <a:tailEnd type="triangle"/>
+            </a:ln>
+          </p:spPr>
+          <p:style>
+            <a:lnRef idx="1">
+              <a:schemeClr val="accent1"/>
+            </a:lnRef>
+            <a:fillRef idx="0">
+              <a:schemeClr val="accent1"/>
+            </a:fillRef>
+            <a:effectRef idx="0">
+              <a:schemeClr val="accent1"/>
+            </a:effectRef>
+            <a:fontRef idx="minor">
+              <a:schemeClr val="tx1"/>
+            </a:fontRef>
+          </p:style>
+        </p:cxnSp>
+        <p:cxnSp>
+          <p:nvCxnSpPr>
+            <p:cNvPr id="14" name="Straight Arrow Connector 13">
+              <a:extLst>
+                <a:ext uri="{FF2B5EF4-FFF2-40B4-BE49-F238E27FC236}">
+                  <a16:creationId xmlns:a16="http://schemas.microsoft.com/office/drawing/2014/main" id="{6B12174D-308A-4E41-B1DC-AE88A944291F}"/>
+                </a:ext>
+              </a:extLst>
+            </p:cNvPr>
+            <p:cNvCxnSpPr>
+              <a:cxnSpLocks/>
+            </p:cNvCxnSpPr>
+            <p:nvPr/>
+          </p:nvCxnSpPr>
+          <p:spPr>
+            <a:xfrm>
+              <a:off x="10495534" y="5168265"/>
+              <a:ext cx="0" cy="171134"/>
+            </a:xfrm>
+            <a:prstGeom prst="straightConnector1">
+              <a:avLst/>
+            </a:prstGeom>
+            <a:ln w="28575">
+              <a:solidFill>
+                <a:srgbClr val="0070C0"/>
+              </a:solidFill>
+              <a:tailEnd type="triangle"/>
+            </a:ln>
+          </p:spPr>
+          <p:style>
+            <a:lnRef idx="1">
+              <a:schemeClr val="accent1"/>
+            </a:lnRef>
+            <a:fillRef idx="0">
+              <a:schemeClr val="accent1"/>
+            </a:fillRef>
+            <a:effectRef idx="0">
+              <a:schemeClr val="accent1"/>
+            </a:effectRef>
+            <a:fontRef idx="minor">
+              <a:schemeClr val="tx1"/>
+            </a:fontRef>
+          </p:style>
+        </p:cxnSp>
+      </p:grpSp>
+    </p:spTree>
+    <p:extLst>
+      <p:ext uri="{BB962C8B-B14F-4D97-AF65-F5344CB8AC3E}">
+        <p14:creationId xmlns:p14="http://schemas.microsoft.com/office/powerpoint/2010/main" val="3092569975"/>
+      </p:ext>
+    </p:extLst>
+  </p:cSld>
+  <p:clrMapOvr>
+    <a:masterClrMapping/>
+  </p:clrMapOvr>
+</p:sld>
+</file>
+
+<file path=ppt/slides/slide8.xml><?xml version="1.0" encoding="utf-8"?>
+<p:sld xmlns:a="http://schemas.openxmlformats.org/drawingml/2006/main" xmlns:r="http://schemas.openxmlformats.org/officeDocument/2006/relationships" xmlns:p="http://schemas.openxmlformats.org/presentationml/2006/main">
+  <p:cSld>
+    <p:spTree>
+      <p:nvGrpSpPr>
+        <p:cNvPr id="1" name=""/>
+        <p:cNvGrpSpPr/>
+        <p:nvPr/>
+      </p:nvGrpSpPr>
+      <p:grpSpPr>
+        <a:xfrm>
+          <a:off x="0" y="0"/>
+          <a:ext cx="0" cy="0"/>
+          <a:chOff x="0" y="0"/>
+          <a:chExt cx="0" cy="0"/>
+        </a:xfrm>
+      </p:grpSpPr>
+      <p:grpSp>
+        <p:nvGrpSpPr>
+          <p:cNvPr id="17" name="Group 16">
+            <a:extLst>
+              <a:ext uri="{FF2B5EF4-FFF2-40B4-BE49-F238E27FC236}">
+                <a16:creationId xmlns:a16="http://schemas.microsoft.com/office/drawing/2014/main" id="{3D898BB0-E414-4C7D-85E6-BB62B20527F4}"/>
+              </a:ext>
+            </a:extLst>
+          </p:cNvPr>
+          <p:cNvGrpSpPr/>
+          <p:nvPr/>
+        </p:nvGrpSpPr>
+        <p:grpSpPr>
+          <a:xfrm>
+            <a:off x="-482851" y="-152400"/>
+            <a:ext cx="6391141" cy="6858000"/>
+            <a:chOff x="472189" y="152400"/>
+            <a:chExt cx="6391141" cy="6858000"/>
+          </a:xfrm>
+        </p:grpSpPr>
+        <p:pic>
+          <p:nvPicPr>
+            <p:cNvPr id="6" name="Picture 5">
+              <a:extLst>
+                <a:ext uri="{FF2B5EF4-FFF2-40B4-BE49-F238E27FC236}">
+                  <a16:creationId xmlns:a16="http://schemas.microsoft.com/office/drawing/2014/main" id="{6596F6DC-6ABD-45C8-84CD-ABD9909D839E}"/>
+                </a:ext>
+              </a:extLst>
+            </p:cNvPr>
+            <p:cNvPicPr>
+              <a:picLocks noChangeAspect="1"/>
+            </p:cNvPicPr>
+            <p:nvPr/>
+          </p:nvPicPr>
+          <p:blipFill>
+            <a:blip r:embed="rId2"/>
+            <a:stretch>
+              <a:fillRect/>
+            </a:stretch>
+          </p:blipFill>
+          <p:spPr>
+            <a:xfrm>
+              <a:off x="472189" y="152400"/>
+              <a:ext cx="6391141" cy="6858000"/>
+            </a:xfrm>
+            <a:prstGeom prst="rect">
+              <a:avLst/>
+            </a:prstGeom>
+          </p:spPr>
+        </p:pic>
+        <p:cxnSp>
+          <p:nvCxnSpPr>
+            <p:cNvPr id="4" name="Straight Connector 3">
+              <a:extLst>
+                <a:ext uri="{FF2B5EF4-FFF2-40B4-BE49-F238E27FC236}">
+                  <a16:creationId xmlns:a16="http://schemas.microsoft.com/office/drawing/2014/main" id="{2D9B1C90-BC5E-4B8A-91D3-7892AF8EBB77}"/>
+                </a:ext>
+              </a:extLst>
+            </p:cNvPr>
+            <p:cNvCxnSpPr>
+              <a:cxnSpLocks/>
+            </p:cNvCxnSpPr>
+            <p:nvPr/>
+          </p:nvCxnSpPr>
+          <p:spPr>
+            <a:xfrm>
+              <a:off x="2306320" y="670560"/>
+              <a:ext cx="0" cy="3342640"/>
+            </a:xfrm>
+            <a:prstGeom prst="line">
+              <a:avLst/>
+            </a:prstGeom>
+            <a:ln w="28575">
+              <a:solidFill>
+                <a:schemeClr val="tx1"/>
+              </a:solidFill>
+              <a:prstDash val="dash"/>
+            </a:ln>
+          </p:spPr>
+          <p:style>
+            <a:lnRef idx="1">
+              <a:schemeClr val="accent1"/>
+            </a:lnRef>
+            <a:fillRef idx="0">
+              <a:schemeClr val="accent1"/>
+            </a:fillRef>
+            <a:effectRef idx="0">
+              <a:schemeClr val="accent1"/>
+            </a:effectRef>
+            <a:fontRef idx="minor">
+              <a:schemeClr val="tx1"/>
+            </a:fontRef>
+          </p:style>
+        </p:cxnSp>
+        <p:cxnSp>
+          <p:nvCxnSpPr>
+            <p:cNvPr id="8" name="Straight Arrow Connector 7">
+              <a:extLst>
+                <a:ext uri="{FF2B5EF4-FFF2-40B4-BE49-F238E27FC236}">
+                  <a16:creationId xmlns:a16="http://schemas.microsoft.com/office/drawing/2014/main" id="{546FCA03-4AE4-4D41-A87F-B7A99E47ED8F}"/>
+                </a:ext>
+              </a:extLst>
+            </p:cNvPr>
+            <p:cNvCxnSpPr/>
+            <p:nvPr/>
+          </p:nvCxnSpPr>
+          <p:spPr>
+            <a:xfrm flipH="1">
+              <a:off x="5969635" y="5291455"/>
+              <a:ext cx="177165" cy="0"/>
+            </a:xfrm>
+            <a:prstGeom prst="straightConnector1">
+              <a:avLst/>
+            </a:prstGeom>
+            <a:ln w="19050">
+              <a:tailEnd type="triangle"/>
+            </a:ln>
+          </p:spPr>
+          <p:style>
+            <a:lnRef idx="1">
+              <a:schemeClr val="accent1"/>
+            </a:lnRef>
+            <a:fillRef idx="0">
+              <a:schemeClr val="accent1"/>
+            </a:fillRef>
+            <a:effectRef idx="0">
+              <a:schemeClr val="accent1"/>
+            </a:effectRef>
+            <a:fontRef idx="minor">
+              <a:schemeClr val="tx1"/>
+            </a:fontRef>
+          </p:style>
+        </p:cxnSp>
+        <p:cxnSp>
+          <p:nvCxnSpPr>
+            <p:cNvPr id="9" name="Straight Arrow Connector 8">
+              <a:extLst>
+                <a:ext uri="{FF2B5EF4-FFF2-40B4-BE49-F238E27FC236}">
+                  <a16:creationId xmlns:a16="http://schemas.microsoft.com/office/drawing/2014/main" id="{B8D6811B-EC85-4F17-A89E-69B42529854D}"/>
+                </a:ext>
+              </a:extLst>
+            </p:cNvPr>
+            <p:cNvCxnSpPr>
+              <a:cxnSpLocks/>
+            </p:cNvCxnSpPr>
+            <p:nvPr/>
+          </p:nvCxnSpPr>
+          <p:spPr>
+            <a:xfrm>
+              <a:off x="5512435" y="5374640"/>
+              <a:ext cx="1" cy="163195"/>
+            </a:xfrm>
+            <a:prstGeom prst="straightConnector1">
+              <a:avLst/>
+            </a:prstGeom>
+            <a:ln w="19050">
+              <a:tailEnd type="triangle"/>
+            </a:ln>
+          </p:spPr>
+          <p:style>
+            <a:lnRef idx="1">
+              <a:schemeClr val="accent1"/>
+            </a:lnRef>
+            <a:fillRef idx="0">
+              <a:schemeClr val="accent1"/>
+            </a:fillRef>
+            <a:effectRef idx="0">
+              <a:schemeClr val="accent1"/>
+            </a:effectRef>
+            <a:fontRef idx="minor">
+              <a:schemeClr val="tx1"/>
+            </a:fontRef>
+          </p:style>
+        </p:cxnSp>
+        <p:cxnSp>
+          <p:nvCxnSpPr>
+            <p:cNvPr id="11" name="Straight Arrow Connector 10">
+              <a:extLst>
+                <a:ext uri="{FF2B5EF4-FFF2-40B4-BE49-F238E27FC236}">
+                  <a16:creationId xmlns:a16="http://schemas.microsoft.com/office/drawing/2014/main" id="{D227CB0C-45F8-4BC9-BEF0-84EB44145489}"/>
+                </a:ext>
+              </a:extLst>
+            </p:cNvPr>
+            <p:cNvCxnSpPr>
+              <a:cxnSpLocks/>
+            </p:cNvCxnSpPr>
+            <p:nvPr/>
+          </p:nvCxnSpPr>
+          <p:spPr>
+            <a:xfrm flipV="1">
+              <a:off x="5382896" y="5425757"/>
+              <a:ext cx="0" cy="167640"/>
+            </a:xfrm>
+            <a:prstGeom prst="straightConnector1">
+              <a:avLst/>
+            </a:prstGeom>
+            <a:ln w="19050">
+              <a:tailEnd type="triangle"/>
+            </a:ln>
+          </p:spPr>
+          <p:style>
+            <a:lnRef idx="1">
+              <a:schemeClr val="accent1"/>
+            </a:lnRef>
+            <a:fillRef idx="0">
+              <a:schemeClr val="accent1"/>
+            </a:fillRef>
+            <a:effectRef idx="0">
+              <a:schemeClr val="accent1"/>
+            </a:effectRef>
+            <a:fontRef idx="minor">
+              <a:schemeClr val="tx1"/>
+            </a:fontRef>
+          </p:style>
+        </p:cxnSp>
+        <p:cxnSp>
+          <p:nvCxnSpPr>
+            <p:cNvPr id="14" name="Straight Arrow Connector 13">
+              <a:extLst>
+                <a:ext uri="{FF2B5EF4-FFF2-40B4-BE49-F238E27FC236}">
+                  <a16:creationId xmlns:a16="http://schemas.microsoft.com/office/drawing/2014/main" id="{F1CD023B-1146-470D-90AE-97792F86C57F}"/>
+                </a:ext>
+              </a:extLst>
+            </p:cNvPr>
+            <p:cNvCxnSpPr>
+              <a:cxnSpLocks/>
+            </p:cNvCxnSpPr>
+            <p:nvPr/>
+          </p:nvCxnSpPr>
+          <p:spPr>
+            <a:xfrm>
+              <a:off x="5245736" y="5351780"/>
+              <a:ext cx="0" cy="144938"/>
+            </a:xfrm>
+            <a:prstGeom prst="straightConnector1">
+              <a:avLst/>
+            </a:prstGeom>
+            <a:ln w="19050">
+              <a:tailEnd type="triangle"/>
+            </a:ln>
+          </p:spPr>
+          <p:style>
+            <a:lnRef idx="1">
+              <a:schemeClr val="accent1"/>
+            </a:lnRef>
+            <a:fillRef idx="0">
+              <a:schemeClr val="accent1"/>
+            </a:fillRef>
+            <a:effectRef idx="0">
+              <a:schemeClr val="accent1"/>
+            </a:effectRef>
+            <a:fontRef idx="minor">
+              <a:schemeClr val="tx1"/>
+            </a:fontRef>
+          </p:style>
+        </p:cxnSp>
+      </p:grpSp>
+      <p:pic>
+        <p:nvPicPr>
+          <p:cNvPr id="18" name="Picture 17">
+            <a:extLst>
+              <a:ext uri="{FF2B5EF4-FFF2-40B4-BE49-F238E27FC236}">
+                <a16:creationId xmlns:a16="http://schemas.microsoft.com/office/drawing/2014/main" id="{7129D81E-7AB0-4DD5-AEE5-856B3305B275}"/>
+              </a:ext>
+            </a:extLst>
+          </p:cNvPr>
+          <p:cNvPicPr>
+            <a:picLocks noChangeAspect="1"/>
+          </p:cNvPicPr>
+          <p:nvPr/>
+        </p:nvPicPr>
+        <p:blipFill>
+          <a:blip r:embed="rId3"/>
+          <a:stretch>
+            <a:fillRect/>
+          </a:stretch>
+        </p:blipFill>
+        <p:spPr>
+          <a:xfrm>
+            <a:off x="6405372" y="-152400"/>
+            <a:ext cx="6394704" cy="6858000"/>
+          </a:xfrm>
+          <a:prstGeom prst="rect">
+            <a:avLst/>
+          </a:prstGeom>
+        </p:spPr>
+      </p:pic>
+    </p:spTree>
+    <p:extLst>
+      <p:ext uri="{BB962C8B-B14F-4D97-AF65-F5344CB8AC3E}">
+        <p14:creationId xmlns:p14="http://schemas.microsoft.com/office/powerpoint/2010/main" val="1022900072"/>
+      </p:ext>
+    </p:extLst>
+  </p:cSld>
+  <p:clrMapOvr>
+    <a:masterClrMapping/>
+  </p:clrMapOvr>
+</p:sld>
+</file>
+
+<file path=ppt/slides/slide9.xml><?xml version="1.0" encoding="utf-8"?>
+<p:sld xmlns:a="http://schemas.openxmlformats.org/drawingml/2006/main" xmlns:r="http://schemas.openxmlformats.org/officeDocument/2006/relationships" xmlns:p="http://schemas.openxmlformats.org/presentationml/2006/main">
+  <p:cSld>
+    <p:spTree>
+      <p:nvGrpSpPr>
+        <p:cNvPr id="1" name=""/>
+        <p:cNvGrpSpPr/>
+        <p:nvPr/>
+      </p:nvGrpSpPr>
+      <p:grpSpPr>
+        <a:xfrm>
+          <a:off x="0" y="0"/>
+          <a:ext cx="0" cy="0"/>
+          <a:chOff x="0" y="0"/>
+          <a:chExt cx="0" cy="0"/>
+        </a:xfrm>
+      </p:grpSpPr>
+      <p:grpSp>
+        <p:nvGrpSpPr>
+          <p:cNvPr id="18" name="Group 17">
+            <a:extLst>
+              <a:ext uri="{FF2B5EF4-FFF2-40B4-BE49-F238E27FC236}">
+                <a16:creationId xmlns:a16="http://schemas.microsoft.com/office/drawing/2014/main" id="{1AE49FA9-DB5C-4CCA-9203-291E40C42E3A}"/>
+              </a:ext>
+            </a:extLst>
+          </p:cNvPr>
+          <p:cNvGrpSpPr/>
+          <p:nvPr/>
+        </p:nvGrpSpPr>
+        <p:grpSpPr>
+          <a:xfrm>
+            <a:off x="121914" y="0"/>
+            <a:ext cx="6715772" cy="7051040"/>
+            <a:chOff x="121914" y="-193040"/>
+            <a:chExt cx="6715772" cy="7051040"/>
+          </a:xfrm>
+        </p:grpSpPr>
+        <p:pic>
+          <p:nvPicPr>
+            <p:cNvPr id="2" name="Picture 1">
+              <a:extLst>
+                <a:ext uri="{FF2B5EF4-FFF2-40B4-BE49-F238E27FC236}">
+                  <a16:creationId xmlns:a16="http://schemas.microsoft.com/office/drawing/2014/main" id="{A37F54A4-40F1-4D78-8AD6-837CFF52E662}"/>
+                </a:ext>
+              </a:extLst>
+            </p:cNvPr>
+            <p:cNvPicPr>
+              <a:picLocks noChangeAspect="1"/>
+            </p:cNvPicPr>
+            <p:nvPr/>
+          </p:nvPicPr>
+          <p:blipFill>
+            <a:blip r:embed="rId2"/>
+            <a:stretch>
+              <a:fillRect/>
+            </a:stretch>
+          </p:blipFill>
+          <p:spPr>
+            <a:xfrm>
+              <a:off x="457194" y="0"/>
+              <a:ext cx="6380492" cy="6858000"/>
+            </a:xfrm>
+            <a:prstGeom prst="rect">
+              <a:avLst/>
+            </a:prstGeom>
+          </p:spPr>
+        </p:pic>
+        <p:cxnSp>
+          <p:nvCxnSpPr>
+            <p:cNvPr id="5" name="Straight Connector 4">
+              <a:extLst>
+                <a:ext uri="{FF2B5EF4-FFF2-40B4-BE49-F238E27FC236}">
+                  <a16:creationId xmlns:a16="http://schemas.microsoft.com/office/drawing/2014/main" id="{49A86AC9-60F7-4101-8638-56C9E800706C}"/>
+                </a:ext>
+              </a:extLst>
+            </p:cNvPr>
+            <p:cNvCxnSpPr>
+              <a:cxnSpLocks/>
+            </p:cNvCxnSpPr>
+            <p:nvPr/>
+          </p:nvCxnSpPr>
+          <p:spPr>
+            <a:xfrm>
+              <a:off x="1816274" y="550672"/>
+              <a:ext cx="0" cy="3364992"/>
+            </a:xfrm>
+            <a:prstGeom prst="line">
+              <a:avLst/>
+            </a:prstGeom>
+            <a:ln w="28575">
+              <a:solidFill>
+                <a:schemeClr val="tx1"/>
+              </a:solidFill>
+              <a:prstDash val="dash"/>
+            </a:ln>
+          </p:spPr>
+          <p:style>
+            <a:lnRef idx="1">
+              <a:schemeClr val="accent1"/>
+            </a:lnRef>
+            <a:fillRef idx="0">
+              <a:schemeClr val="accent1"/>
+            </a:fillRef>
+            <a:effectRef idx="0">
+              <a:schemeClr val="accent1"/>
+            </a:effectRef>
+            <a:fontRef idx="minor">
+              <a:schemeClr val="tx1"/>
+            </a:fontRef>
+          </p:style>
+        </p:cxnSp>
+        <p:grpSp>
+          <p:nvGrpSpPr>
+            <p:cNvPr id="8" name="Group 7">
+              <a:extLst>
+                <a:ext uri="{FF2B5EF4-FFF2-40B4-BE49-F238E27FC236}">
+                  <a16:creationId xmlns:a16="http://schemas.microsoft.com/office/drawing/2014/main" id="{44F6D92C-ABDE-4E3B-80DF-5A7B6018E975}"/>
+                </a:ext>
+              </a:extLst>
+            </p:cNvPr>
+            <p:cNvGrpSpPr/>
+            <p:nvPr/>
+          </p:nvGrpSpPr>
+          <p:grpSpPr>
+            <a:xfrm>
+              <a:off x="121914" y="-193040"/>
+              <a:ext cx="6380492" cy="6858000"/>
+              <a:chOff x="457194" y="-60960"/>
+              <a:chExt cx="6380492" cy="6858000"/>
+            </a:xfrm>
+          </p:grpSpPr>
+          <p:pic>
+            <p:nvPicPr>
+              <p:cNvPr id="6" name="Picture 5">
+                <a:extLst>
+                  <a:ext uri="{FF2B5EF4-FFF2-40B4-BE49-F238E27FC236}">
+                    <a16:creationId xmlns:a16="http://schemas.microsoft.com/office/drawing/2014/main" id="{1F2E4AB1-A69D-43A6-B4ED-6C1A87757B4E}"/>
+                  </a:ext>
+                </a:extLst>
+              </p:cNvPr>
+              <p:cNvPicPr>
+                <a:picLocks noChangeAspect="1"/>
+              </p:cNvPicPr>
+              <p:nvPr/>
+            </p:nvPicPr>
+            <p:blipFill>
+              <a:blip r:embed="rId2"/>
+              <a:stretch>
+                <a:fillRect/>
+              </a:stretch>
+            </p:blipFill>
+            <p:spPr>
+              <a:xfrm>
+                <a:off x="457194" y="-60960"/>
+                <a:ext cx="6380492" cy="6858000"/>
+              </a:xfrm>
+              <a:prstGeom prst="rect">
+                <a:avLst/>
+              </a:prstGeom>
+            </p:spPr>
+          </p:pic>
+          <p:cxnSp>
+            <p:nvCxnSpPr>
+              <p:cNvPr id="7" name="Straight Connector 6">
+                <a:extLst>
+                  <a:ext uri="{FF2B5EF4-FFF2-40B4-BE49-F238E27FC236}">
+                    <a16:creationId xmlns:a16="http://schemas.microsoft.com/office/drawing/2014/main" id="{FA3D69EA-3D3C-4412-823A-9166AD2F3D98}"/>
+                  </a:ext>
+                </a:extLst>
+              </p:cNvPr>
+              <p:cNvCxnSpPr>
+                <a:cxnSpLocks/>
+              </p:cNvCxnSpPr>
+              <p:nvPr/>
+            </p:nvCxnSpPr>
+            <p:spPr>
+              <a:xfrm>
+                <a:off x="1816274" y="489712"/>
+                <a:ext cx="0" cy="3364992"/>
+              </a:xfrm>
+              <a:prstGeom prst="line">
+                <a:avLst/>
+              </a:prstGeom>
+              <a:ln w="28575">
+                <a:solidFill>
+                  <a:schemeClr val="tx1"/>
+                </a:solidFill>
+                <a:prstDash val="dash"/>
+              </a:ln>
+            </p:spPr>
+            <p:style>
+              <a:lnRef idx="1">
+                <a:schemeClr val="accent1"/>
+              </a:lnRef>
+              <a:fillRef idx="0">
+                <a:schemeClr val="accent1"/>
+              </a:fillRef>
+              <a:effectRef idx="0">
+                <a:schemeClr val="accent1"/>
+              </a:effectRef>
+              <a:fontRef idx="minor">
+                <a:schemeClr val="tx1"/>
+              </a:fontRef>
+            </p:style>
+          </p:cxnSp>
+        </p:grpSp>
+        <p:cxnSp>
+          <p:nvCxnSpPr>
+            <p:cNvPr id="10" name="Straight Arrow Connector 9">
+              <a:extLst>
+                <a:ext uri="{FF2B5EF4-FFF2-40B4-BE49-F238E27FC236}">
+                  <a16:creationId xmlns:a16="http://schemas.microsoft.com/office/drawing/2014/main" id="{DABA190B-B058-47B8-9548-CB671B32D56D}"/>
+                </a:ext>
+              </a:extLst>
+            </p:cNvPr>
+            <p:cNvCxnSpPr>
+              <a:cxnSpLocks/>
+            </p:cNvCxnSpPr>
+            <p:nvPr/>
+          </p:nvCxnSpPr>
+          <p:spPr>
+            <a:xfrm flipH="1" flipV="1">
+              <a:off x="5577840" y="5176520"/>
+              <a:ext cx="177800" cy="223520"/>
+            </a:xfrm>
+            <a:prstGeom prst="straightConnector1">
+              <a:avLst/>
+            </a:prstGeom>
+            <a:ln w="28575">
+              <a:tailEnd type="triangle"/>
+            </a:ln>
+          </p:spPr>
+          <p:style>
+            <a:lnRef idx="1">
+              <a:schemeClr val="accent1"/>
+            </a:lnRef>
+            <a:fillRef idx="0">
+              <a:schemeClr val="accent1"/>
+            </a:fillRef>
+            <a:effectRef idx="0">
+              <a:schemeClr val="accent1"/>
+            </a:effectRef>
+            <a:fontRef idx="minor">
+              <a:schemeClr val="tx1"/>
+            </a:fontRef>
+          </p:style>
+        </p:cxnSp>
+        <p:cxnSp>
+          <p:nvCxnSpPr>
+            <p:cNvPr id="14" name="Straight Arrow Connector 13">
+              <a:extLst>
+                <a:ext uri="{FF2B5EF4-FFF2-40B4-BE49-F238E27FC236}">
+                  <a16:creationId xmlns:a16="http://schemas.microsoft.com/office/drawing/2014/main" id="{2E697518-77BE-456C-83FC-2EE95A23D9B2}"/>
+                </a:ext>
+              </a:extLst>
+            </p:cNvPr>
+            <p:cNvCxnSpPr>
+              <a:cxnSpLocks/>
+            </p:cNvCxnSpPr>
+            <p:nvPr/>
+          </p:nvCxnSpPr>
+          <p:spPr>
+            <a:xfrm flipH="1">
+              <a:off x="5110480" y="4831080"/>
+              <a:ext cx="106680" cy="172720"/>
+            </a:xfrm>
+            <a:prstGeom prst="straightConnector1">
+              <a:avLst/>
+            </a:prstGeom>
+            <a:ln w="28575">
+              <a:tailEnd type="triangle"/>
+            </a:ln>
+          </p:spPr>
+          <p:style>
+            <a:lnRef idx="1">
+              <a:schemeClr val="accent1"/>
+            </a:lnRef>
+            <a:fillRef idx="0">
+              <a:schemeClr val="accent1"/>
+            </a:fillRef>
+            <a:effectRef idx="0">
+              <a:schemeClr val="accent1"/>
+            </a:effectRef>
+            <a:fontRef idx="minor">
+              <a:schemeClr val="tx1"/>
+            </a:fontRef>
+          </p:style>
+        </p:cxnSp>
+      </p:grpSp>
+      <p:pic>
+        <p:nvPicPr>
+          <p:cNvPr id="3" name="Picture 2">
+            <a:extLst>
+              <a:ext uri="{FF2B5EF4-FFF2-40B4-BE49-F238E27FC236}">
+                <a16:creationId xmlns:a16="http://schemas.microsoft.com/office/drawing/2014/main" id="{C8724087-82F1-434A-B94B-C7D7FB895B0C}"/>
+              </a:ext>
+            </a:extLst>
+          </p:cNvPr>
+          <p:cNvPicPr>
+            <a:picLocks noChangeAspect="1"/>
+          </p:cNvPicPr>
+          <p:nvPr/>
+        </p:nvPicPr>
+        <p:blipFill>
+          <a:blip r:embed="rId3"/>
+          <a:stretch>
+            <a:fillRect/>
+          </a:stretch>
+        </p:blipFill>
+        <p:spPr>
+          <a:xfrm>
+            <a:off x="4527736" y="480695"/>
+            <a:ext cx="6667500" cy="5000625"/>
+          </a:xfrm>
+          <a:prstGeom prst="rect">
+            <a:avLst/>
+          </a:prstGeom>
+        </p:spPr>
+      </p:pic>
+    </p:spTree>
+    <p:extLst>
+      <p:ext uri="{BB962C8B-B14F-4D97-AF65-F5344CB8AC3E}">
+        <p14:creationId xmlns:p14="http://schemas.microsoft.com/office/powerpoint/2010/main" val="1119543439"/>
+      </p:ext>
+    </p:extLst>
+  </p:cSld>
+  <p:clrMapOvr>
+    <a:masterClrMapping/>
+  </p:clrMapOvr>
+</p:sld>
+</file>
+
 <file path=ppt/theme/theme1.xml><?xml version="1.0" encoding="utf-8"?>
 <a:theme xmlns:a="http://schemas.openxmlformats.org/drawingml/2006/main" name="Office Theme">
   <a:themeElements>
